--- a/9.Softwaremagement_And_Cron/09-SoftwareManagementAndCron.pptx
+++ b/9.Softwaremagement_And_Cron/09-SoftwareManagementAndCron.pptx
@@ -139,11 +139,7 @@
 <file path=ppt/commentAuthors.xml><?xml version="1.0" encoding="utf-8"?>
 <p:cmAuthorLst xmlns:a="http://schemas.openxmlformats.org/drawingml/2006/main" xmlns:r="http://schemas.openxmlformats.org/officeDocument/2006/relationships" xmlns:p="http://schemas.openxmlformats.org/presentationml/2006/main">
   <p:cmAuthor id="1" name="Belichev, Iliya" initials="BI" lastIdx="1" clrIdx="0">
-    <p:extLst>
-      <p:ext uri="{19B8F6BF-5375-455C-9EA6-DF929625EA0E}">
-        <p15:presenceInfo xmlns:p15="http://schemas.microsoft.com/office/powerpoint/2012/main" userId="S-1-5-21-1957994488-842925246-40105171-1920375" providerId="AD"/>
-      </p:ext>
-    </p:extLst>
+    <p:extLst/>
   </p:cmAuthor>
 </p:cmAuthorLst>
 </file>
@@ -230,7 +226,7 @@
           <a:p>
             <a:fld id="{75861919-8521-4274-BB91-998CD62CEE44}" type="datetimeFigureOut">
               <a:rPr lang="en-US" smtClean="0"/>
-              <a:t>12/16/2016</a:t>
+              <a:t>3/21/17</a:t>
             </a:fld>
             <a:endParaRPr lang="en-US"/>
           </a:p>
@@ -763,7 +759,7 @@
           <a:p>
             <a:fld id="{3EA744D9-3FBE-48D8-BF2A-85DF203E4D20}" type="datetimeFigureOut">
               <a:rPr lang="bg-BG" smtClean="0"/>
-              <a:t>16.12.2016 г.</a:t>
+              <a:t>21.03.17 г.</a:t>
             </a:fld>
             <a:endParaRPr lang="bg-BG"/>
           </a:p>
@@ -933,7 +929,7 @@
           <a:p>
             <a:fld id="{3EA744D9-3FBE-48D8-BF2A-85DF203E4D20}" type="datetimeFigureOut">
               <a:rPr lang="bg-BG" smtClean="0"/>
-              <a:t>16.12.2016 г.</a:t>
+              <a:t>21.03.17 г.</a:t>
             </a:fld>
             <a:endParaRPr lang="bg-BG"/>
           </a:p>
@@ -1113,7 +1109,7 @@
           <a:p>
             <a:fld id="{3EA744D9-3FBE-48D8-BF2A-85DF203E4D20}" type="datetimeFigureOut">
               <a:rPr lang="bg-BG" smtClean="0"/>
-              <a:t>16.12.2016 г.</a:t>
+              <a:t>21.03.17 г.</a:t>
             </a:fld>
             <a:endParaRPr lang="bg-BG"/>
           </a:p>
@@ -1283,7 +1279,7 @@
           <a:p>
             <a:fld id="{3EA744D9-3FBE-48D8-BF2A-85DF203E4D20}" type="datetimeFigureOut">
               <a:rPr lang="bg-BG" smtClean="0"/>
-              <a:t>16.12.2016 г.</a:t>
+              <a:t>21.03.17 г.</a:t>
             </a:fld>
             <a:endParaRPr lang="bg-BG"/>
           </a:p>
@@ -1529,7 +1525,7 @@
           <a:p>
             <a:fld id="{3EA744D9-3FBE-48D8-BF2A-85DF203E4D20}" type="datetimeFigureOut">
               <a:rPr lang="bg-BG" smtClean="0"/>
-              <a:t>16.12.2016 г.</a:t>
+              <a:t>21.03.17 г.</a:t>
             </a:fld>
             <a:endParaRPr lang="bg-BG"/>
           </a:p>
@@ -1817,7 +1813,7 @@
           <a:p>
             <a:fld id="{3EA744D9-3FBE-48D8-BF2A-85DF203E4D20}" type="datetimeFigureOut">
               <a:rPr lang="bg-BG" smtClean="0"/>
-              <a:t>16.12.2016 г.</a:t>
+              <a:t>21.03.17 г.</a:t>
             </a:fld>
             <a:endParaRPr lang="bg-BG"/>
           </a:p>
@@ -2239,7 +2235,7 @@
           <a:p>
             <a:fld id="{3EA744D9-3FBE-48D8-BF2A-85DF203E4D20}" type="datetimeFigureOut">
               <a:rPr lang="bg-BG" smtClean="0"/>
-              <a:t>16.12.2016 г.</a:t>
+              <a:t>21.03.17 г.</a:t>
             </a:fld>
             <a:endParaRPr lang="bg-BG"/>
           </a:p>
@@ -2357,7 +2353,7 @@
           <a:p>
             <a:fld id="{3EA744D9-3FBE-48D8-BF2A-85DF203E4D20}" type="datetimeFigureOut">
               <a:rPr lang="bg-BG" smtClean="0"/>
-              <a:t>16.12.2016 г.</a:t>
+              <a:t>21.03.17 г.</a:t>
             </a:fld>
             <a:endParaRPr lang="bg-BG"/>
           </a:p>
@@ -2452,7 +2448,7 @@
           <a:p>
             <a:fld id="{3EA744D9-3FBE-48D8-BF2A-85DF203E4D20}" type="datetimeFigureOut">
               <a:rPr lang="bg-BG" smtClean="0"/>
-              <a:t>16.12.2016 г.</a:t>
+              <a:t>21.03.17 г.</a:t>
             </a:fld>
             <a:endParaRPr lang="bg-BG"/>
           </a:p>
@@ -2729,7 +2725,7 @@
           <a:p>
             <a:fld id="{3EA744D9-3FBE-48D8-BF2A-85DF203E4D20}" type="datetimeFigureOut">
               <a:rPr lang="bg-BG" smtClean="0"/>
-              <a:t>16.12.2016 г.</a:t>
+              <a:t>21.03.17 г.</a:t>
             </a:fld>
             <a:endParaRPr lang="bg-BG"/>
           </a:p>
@@ -2982,7 +2978,7 @@
           <a:p>
             <a:fld id="{3EA744D9-3FBE-48D8-BF2A-85DF203E4D20}" type="datetimeFigureOut">
               <a:rPr lang="bg-BG" smtClean="0"/>
-              <a:t>16.12.2016 г.</a:t>
+              <a:t>21.03.17 г.</a:t>
             </a:fld>
             <a:endParaRPr lang="bg-BG"/>
           </a:p>
@@ -3204,7 +3200,7 @@
           <a:p>
             <a:fld id="{3EA744D9-3FBE-48D8-BF2A-85DF203E4D20}" type="datetimeFigureOut">
               <a:rPr lang="bg-BG" smtClean="0"/>
-              <a:t>16.12.2016 г.</a:t>
+              <a:t>21.03.17 г.</a:t>
             </a:fld>
             <a:endParaRPr lang="bg-BG"/>
           </a:p>
@@ -5109,22 +5105,38 @@
                   <a:schemeClr val="accent6"/>
                 </a:solidFill>
               </a:rPr>
-              <a:t>1. man rpm</a:t>
-            </a:r>
-          </a:p>
-          <a:p>
+              <a:t>1. </a:t>
+            </a:r>
             <a:r>
               <a:rPr lang="en-US" sz="1400" dirty="0" smtClean="0">
                 <a:solidFill>
-                  <a:schemeClr val="accent6"/>
-                </a:solidFill>
-              </a:rPr>
-              <a:t>2. rpm –</a:t>
+                  <a:schemeClr val="bg1"/>
+                </a:solidFill>
+              </a:rPr>
+              <a:t>man rpm</a:t>
+            </a:r>
+          </a:p>
+          <a:p>
+            <a:r>
+              <a:rPr lang="en-US" sz="1400" dirty="0" smtClean="0">
+                <a:solidFill>
+                  <a:schemeClr val="accent6"/>
+                </a:solidFill>
+              </a:rPr>
+              <a:t>2. </a:t>
+            </a:r>
+            <a:r>
+              <a:rPr lang="en-US" sz="1400" dirty="0" smtClean="0">
+                <a:solidFill>
+                  <a:schemeClr val="bg1"/>
+                </a:solidFill>
+              </a:rPr>
+              <a:t>rpm –</a:t>
             </a:r>
             <a:r>
               <a:rPr lang="en-US" sz="1400" dirty="0" err="1" smtClean="0">
                 <a:solidFill>
-                  <a:schemeClr val="accent6"/>
+                  <a:schemeClr val="bg1"/>
                 </a:solidFill>
               </a:rPr>
               <a:t>qa</a:t>
@@ -5132,7 +5144,7 @@
             <a:r>
               <a:rPr lang="en-US" sz="1400" dirty="0" smtClean="0">
                 <a:solidFill>
-                  <a:schemeClr val="accent6"/>
+                  <a:schemeClr val="bg1"/>
                 </a:solidFill>
               </a:rPr>
               <a:t>  | more</a:t>
@@ -5145,12 +5157,20 @@
                   <a:schemeClr val="accent6"/>
                 </a:solidFill>
               </a:rPr>
-              <a:t>3. rpm –</a:t>
+              <a:t>3. </a:t>
+            </a:r>
+            <a:r>
+              <a:rPr lang="en-US" sz="1400" dirty="0" smtClean="0">
+                <a:solidFill>
+                  <a:schemeClr val="bg1"/>
+                </a:solidFill>
+              </a:rPr>
+              <a:t>rpm –</a:t>
             </a:r>
             <a:r>
               <a:rPr lang="en-US" sz="1400" dirty="0" err="1" smtClean="0">
                 <a:solidFill>
-                  <a:schemeClr val="accent6"/>
+                  <a:schemeClr val="bg1"/>
                 </a:solidFill>
               </a:rPr>
               <a:t>qa</a:t>
@@ -5158,14 +5178,14 @@
             <a:r>
               <a:rPr lang="en-US" sz="1400" dirty="0" smtClean="0">
                 <a:solidFill>
-                  <a:schemeClr val="accent6"/>
+                  <a:schemeClr val="bg1"/>
                 </a:solidFill>
               </a:rPr>
               <a:t> | grep –i 32</a:t>
             </a:r>
             <a:endParaRPr lang="en-US" sz="1400" dirty="0">
               <a:solidFill>
-                <a:schemeClr val="accent6"/>
+                <a:schemeClr val="bg1"/>
               </a:solidFill>
             </a:endParaRPr>
           </a:p>
@@ -5493,42 +5513,66 @@
                   <a:schemeClr val="accent6"/>
                 </a:solidFill>
               </a:rPr>
-              <a:t>1. man ‘yum’</a:t>
-            </a:r>
-            <a:br>
+              <a:t>1. </a:t>
+            </a:r>
+            <a:r>
               <a:rPr lang="en-US" sz="2200" dirty="0" smtClean="0">
                 <a:solidFill>
-                  <a:schemeClr val="accent6"/>
-                </a:solidFill>
-              </a:rPr>
-            </a:br>
-            <a:r>
+                  <a:schemeClr val="bg1"/>
+                </a:solidFill>
+              </a:rPr>
+              <a:t>man ‘yum’</a:t>
+            </a:r>
+            <a:br>
               <a:rPr lang="en-US" sz="2200" dirty="0" smtClean="0">
                 <a:solidFill>
-                  <a:schemeClr val="accent6"/>
-                </a:solidFill>
-              </a:rPr>
-              <a:t>2. man ‘rpm’</a:t>
-            </a:r>
-            <a:br>
+                  <a:schemeClr val="bg1"/>
+                </a:solidFill>
+              </a:rPr>
+            </a:br>
+            <a:r>
               <a:rPr lang="en-US" sz="2200" dirty="0" smtClean="0">
                 <a:solidFill>
                   <a:schemeClr val="accent6"/>
                 </a:solidFill>
               </a:rPr>
-            </a:br>
+              <a:t>2. </a:t>
+            </a:r>
             <a:r>
               <a:rPr lang="en-US" sz="2200" dirty="0" smtClean="0">
                 <a:solidFill>
-                  <a:schemeClr val="accent6"/>
-                </a:solidFill>
-              </a:rPr>
-              <a:t>3. yum search </a:t>
+                  <a:schemeClr val="bg1"/>
+                </a:solidFill>
+              </a:rPr>
+              <a:t>man ‘rpm’</a:t>
+            </a:r>
+            <a:br>
+              <a:rPr lang="en-US" sz="2200" dirty="0" smtClean="0">
+                <a:solidFill>
+                  <a:schemeClr val="bg1"/>
+                </a:solidFill>
+              </a:rPr>
+            </a:br>
+            <a:r>
+              <a:rPr lang="en-US" sz="2200" dirty="0" smtClean="0">
+                <a:solidFill>
+                  <a:schemeClr val="accent6"/>
+                </a:solidFill>
+              </a:rPr>
+              <a:t>3. </a:t>
+            </a:r>
+            <a:r>
+              <a:rPr lang="en-US" sz="2200" dirty="0" smtClean="0">
+                <a:solidFill>
+                  <a:schemeClr val="bg1"/>
+                </a:solidFill>
+              </a:rPr>
+              <a:t>yum search </a:t>
             </a:r>
             <a:r>
               <a:rPr lang="en-US" sz="2200" dirty="0" err="1" smtClean="0">
                 <a:solidFill>
-                  <a:schemeClr val="accent6"/>
+                  <a:schemeClr val="bg1"/>
                 </a:solidFill>
               </a:rPr>
               <a:t>httpd</a:t>
@@ -5554,12 +5598,20 @@
                   <a:schemeClr val="accent6"/>
                 </a:solidFill>
               </a:rPr>
-              <a:t>4. yum info </a:t>
+              <a:t>4. </a:t>
+            </a:r>
+            <a:r>
+              <a:rPr lang="en-US" sz="2200" dirty="0" smtClean="0">
+                <a:solidFill>
+                  <a:schemeClr val="bg1"/>
+                </a:solidFill>
+              </a:rPr>
+              <a:t>yum info </a:t>
             </a:r>
             <a:r>
               <a:rPr lang="en-US" sz="2200" dirty="0" err="1" smtClean="0">
                 <a:solidFill>
-                  <a:schemeClr val="accent6"/>
+                  <a:schemeClr val="bg1"/>
                 </a:solidFill>
               </a:rPr>
               <a:t>httpd</a:t>
@@ -5567,7 +5619,7 @@
             <a:r>
               <a:rPr lang="en-US" sz="2200" dirty="0" smtClean="0">
                 <a:solidFill>
-                  <a:schemeClr val="accent6"/>
+                  <a:schemeClr val="bg1"/>
                 </a:solidFill>
               </a:rPr>
               <a:t/>
@@ -5575,7 +5627,7 @@
             <a:br>
               <a:rPr lang="en-US" sz="2200" dirty="0" smtClean="0">
                 <a:solidFill>
-                  <a:schemeClr val="accent6"/>
+                  <a:schemeClr val="bg1"/>
                 </a:solidFill>
               </a:rPr>
             </a:br>
@@ -5585,12 +5637,20 @@
                   <a:schemeClr val="accent6"/>
                 </a:solidFill>
               </a:rPr>
-              <a:t>5. yum install </a:t>
+              <a:t>5. </a:t>
+            </a:r>
+            <a:r>
+              <a:rPr lang="en-US" sz="2200" dirty="0" smtClean="0">
+                <a:solidFill>
+                  <a:schemeClr val="bg1"/>
+                </a:solidFill>
+              </a:rPr>
+              <a:t>yum install </a:t>
             </a:r>
             <a:r>
               <a:rPr lang="en-US" sz="2200" dirty="0" err="1" smtClean="0">
                 <a:solidFill>
-                  <a:schemeClr val="accent6"/>
+                  <a:schemeClr val="bg1"/>
                 </a:solidFill>
               </a:rPr>
               <a:t>httpd</a:t>
@@ -6046,7 +6106,23 @@
                   <a:schemeClr val="accent6"/>
                 </a:solidFill>
               </a:rPr>
-              <a:t>To tell your server which repository to use, you need to create a file with a name that ends in .repo. In that file you need the following content:</a:t>
+              <a:t>To tell your server which repository to use, you need to create a file with a name that ends in </a:t>
+            </a:r>
+            <a:r>
+              <a:rPr lang="en-US" sz="2000" dirty="0" smtClean="0">
+                <a:solidFill>
+                  <a:schemeClr val="bg1"/>
+                </a:solidFill>
+              </a:rPr>
+              <a:t>.repo</a:t>
+            </a:r>
+            <a:r>
+              <a:rPr lang="en-US" sz="2000" dirty="0" smtClean="0">
+                <a:solidFill>
+                  <a:schemeClr val="accent6"/>
+                </a:solidFill>
+              </a:rPr>
+              <a:t>. In that file you need the following content:</a:t>
             </a:r>
             <a:br>
               <a:rPr lang="en-US" sz="2000" dirty="0" smtClean="0">
@@ -6184,12 +6260,20 @@
                   <a:schemeClr val="accent6"/>
                 </a:solidFill>
               </a:rPr>
-              <a:t>1. man </a:t>
+              <a:t>1. </a:t>
+            </a:r>
+            <a:r>
+              <a:rPr lang="en-US" sz="2000" dirty="0" smtClean="0">
+                <a:solidFill>
+                  <a:schemeClr val="bg1"/>
+                </a:solidFill>
+              </a:rPr>
+              <a:t>man </a:t>
             </a:r>
             <a:r>
               <a:rPr lang="en-US" sz="2000" dirty="0" err="1" smtClean="0">
                 <a:solidFill>
-                  <a:schemeClr val="accent6"/>
+                  <a:schemeClr val="bg1"/>
                 </a:solidFill>
               </a:rPr>
               <a:t>yum.conf</a:t>
@@ -6197,30 +6281,38 @@
             <a:r>
               <a:rPr lang="en-US" sz="2000" dirty="0" smtClean="0">
                 <a:solidFill>
-                  <a:schemeClr val="accent6"/>
-                </a:solidFill>
-              </a:rPr>
-              <a:t/>
-            </a:r>
-            <a:br>
-              <a:rPr lang="en-US" sz="2000" dirty="0" smtClean="0">
-                <a:solidFill>
-                  <a:schemeClr val="accent6"/>
-                </a:solidFill>
-              </a:rPr>
-            </a:br>
-            <a:r>
-              <a:rPr lang="en-US" sz="2000" dirty="0" smtClean="0">
-                <a:solidFill>
-                  <a:schemeClr val="accent6"/>
-                </a:solidFill>
-              </a:rPr>
-              <a:t>2. cat /</a:t>
+                  <a:schemeClr val="bg1"/>
+                </a:solidFill>
+              </a:rPr>
+              <a:t/>
+            </a:r>
+            <a:br>
+              <a:rPr lang="en-US" sz="2000" dirty="0" smtClean="0">
+                <a:solidFill>
+                  <a:schemeClr val="bg1"/>
+                </a:solidFill>
+              </a:rPr>
+            </a:br>
+            <a:r>
+              <a:rPr lang="en-US" sz="2000" dirty="0" smtClean="0">
+                <a:solidFill>
+                  <a:schemeClr val="accent6"/>
+                </a:solidFill>
+              </a:rPr>
+              <a:t>2. </a:t>
+            </a:r>
+            <a:r>
+              <a:rPr lang="en-US" sz="2000" dirty="0" smtClean="0">
+                <a:solidFill>
+                  <a:schemeClr val="bg1"/>
+                </a:solidFill>
+              </a:rPr>
+              <a:t>cat /</a:t>
             </a:r>
             <a:r>
               <a:rPr lang="en-US" sz="2000" dirty="0" err="1" smtClean="0">
                 <a:solidFill>
-                  <a:schemeClr val="accent6"/>
+                  <a:schemeClr val="bg1"/>
                 </a:solidFill>
               </a:rPr>
               <a:t>etc</a:t>
@@ -6228,7 +6320,7 @@
             <a:r>
               <a:rPr lang="en-US" sz="2000" dirty="0" smtClean="0">
                 <a:solidFill>
-                  <a:schemeClr val="accent6"/>
+                  <a:schemeClr val="bg1"/>
                 </a:solidFill>
               </a:rPr>
               <a:t>/</a:t>
@@ -6236,7 +6328,7 @@
             <a:r>
               <a:rPr lang="en-US" sz="2000" dirty="0" err="1" smtClean="0">
                 <a:solidFill>
-                  <a:schemeClr val="accent6"/>
+                  <a:schemeClr val="bg1"/>
                 </a:solidFill>
               </a:rPr>
               <a:t>yum.repos.d</a:t>
@@ -6244,7 +6336,7 @@
             <a:r>
               <a:rPr lang="en-US" sz="2000" dirty="0" smtClean="0">
                 <a:solidFill>
-                  <a:schemeClr val="accent6"/>
+                  <a:schemeClr val="bg1"/>
                 </a:solidFill>
               </a:rPr>
               <a:t>/CentOS-</a:t>
@@ -6252,7 +6344,7 @@
             <a:r>
               <a:rPr lang="en-US" sz="2000" dirty="0" err="1" smtClean="0">
                 <a:solidFill>
-                  <a:schemeClr val="accent6"/>
+                  <a:schemeClr val="bg1"/>
                 </a:solidFill>
               </a:rPr>
               <a:t>Base.repo</a:t>
@@ -6278,12 +6370,20 @@
                   <a:schemeClr val="accent6"/>
                 </a:solidFill>
               </a:rPr>
-              <a:t>3. cat /</a:t>
+              <a:t>3. </a:t>
+            </a:r>
+            <a:r>
+              <a:rPr lang="en-US" sz="2000" dirty="0" smtClean="0">
+                <a:solidFill>
+                  <a:schemeClr val="bg1"/>
+                </a:solidFill>
+              </a:rPr>
+              <a:t>cat /</a:t>
             </a:r>
             <a:r>
               <a:rPr lang="en-US" sz="2000" dirty="0" err="1" smtClean="0">
                 <a:solidFill>
-                  <a:schemeClr val="accent6"/>
+                  <a:schemeClr val="bg1"/>
                 </a:solidFill>
               </a:rPr>
               <a:t>etc</a:t>
@@ -6291,7 +6391,7 @@
             <a:r>
               <a:rPr lang="en-US" sz="2000" dirty="0" smtClean="0">
                 <a:solidFill>
-                  <a:schemeClr val="accent6"/>
+                  <a:schemeClr val="bg1"/>
                 </a:solidFill>
               </a:rPr>
               <a:t>/</a:t>
@@ -6299,7 +6399,7 @@
             <a:r>
               <a:rPr lang="en-US" sz="2000" dirty="0" err="1" smtClean="0">
                 <a:solidFill>
-                  <a:schemeClr val="accent6"/>
+                  <a:schemeClr val="bg1"/>
                 </a:solidFill>
               </a:rPr>
               <a:t>yum.repos.d</a:t>
@@ -6307,7 +6407,7 @@
             <a:r>
               <a:rPr lang="en-US" sz="2000" dirty="0" smtClean="0">
                 <a:solidFill>
-                  <a:schemeClr val="accent6"/>
+                  <a:schemeClr val="bg1"/>
                 </a:solidFill>
               </a:rPr>
               <a:t>/CentOS-</a:t>
@@ -6315,7 +6415,7 @@
             <a:r>
               <a:rPr lang="en-US" sz="2000" dirty="0" err="1" smtClean="0">
                 <a:solidFill>
-                  <a:schemeClr val="accent6"/>
+                  <a:schemeClr val="bg1"/>
                 </a:solidFill>
               </a:rPr>
               <a:t>Base.repo</a:t>
@@ -6323,7 +6423,7 @@
             <a:r>
               <a:rPr lang="en-US" sz="2000" dirty="0" smtClean="0">
                 <a:solidFill>
-                  <a:schemeClr val="accent6"/>
+                  <a:schemeClr val="bg1"/>
                 </a:solidFill>
               </a:rPr>
               <a:t> | grep –i </a:t>
@@ -6331,7 +6431,7 @@
             <a:r>
               <a:rPr lang="en-US" sz="2000" dirty="0" err="1" smtClean="0">
                 <a:solidFill>
-                  <a:schemeClr val="accent6"/>
+                  <a:schemeClr val="bg1"/>
                 </a:solidFill>
               </a:rPr>
               <a:t>gpgcheck</a:t>
@@ -6339,15 +6439,15 @@
             <a:r>
               <a:rPr lang="en-US" sz="2000" dirty="0" smtClean="0">
                 <a:solidFill>
-                  <a:schemeClr val="accent6"/>
-                </a:solidFill>
-              </a:rPr>
-              <a:t/>
-            </a:r>
-            <a:br>
-              <a:rPr lang="en-US" sz="2000" dirty="0" smtClean="0">
-                <a:solidFill>
-                  <a:schemeClr val="accent6"/>
+                  <a:schemeClr val="bg1"/>
+                </a:solidFill>
+              </a:rPr>
+              <a:t/>
+            </a:r>
+            <a:br>
+              <a:rPr lang="en-US" sz="2000" dirty="0" smtClean="0">
+                <a:solidFill>
+                  <a:schemeClr val="bg1"/>
                 </a:solidFill>
               </a:rPr>
             </a:br>
@@ -7112,12 +7212,20 @@
                   <a:schemeClr val="accent6"/>
                 </a:solidFill>
               </a:rPr>
-              <a:t>1. yum provides /</a:t>
+              <a:t>1. </a:t>
+            </a:r>
+            <a:r>
+              <a:rPr lang="en-US" sz="2000" dirty="0" smtClean="0">
+                <a:solidFill>
+                  <a:schemeClr val="bg1"/>
+                </a:solidFill>
+              </a:rPr>
+              <a:t>yum provides /</a:t>
             </a:r>
             <a:r>
               <a:rPr lang="en-US" sz="2000" dirty="0" err="1" smtClean="0">
                 <a:solidFill>
-                  <a:schemeClr val="accent6"/>
+                  <a:schemeClr val="bg1"/>
                 </a:solidFill>
               </a:rPr>
               <a:t>var</a:t>
@@ -7125,7 +7233,7 @@
             <a:r>
               <a:rPr lang="en-US" sz="2000" dirty="0" smtClean="0">
                 <a:solidFill>
-                  <a:schemeClr val="accent6"/>
+                  <a:schemeClr val="bg1"/>
                 </a:solidFill>
               </a:rPr>
               <a:t>/www/html</a:t>
@@ -7151,12 +7259,20 @@
                   <a:schemeClr val="accent6"/>
                 </a:solidFill>
               </a:rPr>
-              <a:t>2. file /</a:t>
+              <a:t>2</a:t>
+            </a:r>
+            <a:r>
+              <a:rPr lang="en-US" sz="2000" dirty="0" smtClean="0">
+                <a:solidFill>
+                  <a:schemeClr val="bg1"/>
+                </a:solidFill>
+              </a:rPr>
+              <a:t>. file /</a:t>
             </a:r>
             <a:r>
               <a:rPr lang="en-US" sz="2000" dirty="0" err="1" smtClean="0">
                 <a:solidFill>
-                  <a:schemeClr val="accent6"/>
+                  <a:schemeClr val="bg1"/>
                 </a:solidFill>
               </a:rPr>
               <a:t>var</a:t>
@@ -7164,30 +7280,46 @@
             <a:r>
               <a:rPr lang="en-US" sz="2000" dirty="0" smtClean="0">
                 <a:solidFill>
-                  <a:schemeClr val="accent6"/>
+                  <a:schemeClr val="bg1"/>
                 </a:solidFill>
               </a:rPr>
               <a:t>/log/yum.log</a:t>
             </a:r>
-            <a:br>
-              <a:rPr lang="en-US" sz="2000" dirty="0" smtClean="0">
-                <a:solidFill>
-                  <a:schemeClr val="accent6"/>
-                </a:solidFill>
-              </a:rPr>
-            </a:br>
-            <a:r>
-              <a:rPr lang="en-US" sz="2000" dirty="0" smtClean="0">
-                <a:solidFill>
-                  <a:schemeClr val="accent6"/>
-                </a:solidFill>
-              </a:rPr>
-              <a:t>3. vim /</a:t>
+            <a:r>
+              <a:rPr lang="en-US" sz="2000" dirty="0" smtClean="0">
+                <a:solidFill>
+                  <a:schemeClr val="accent6"/>
+                </a:solidFill>
+              </a:rPr>
+              <a:t/>
+            </a:r>
+            <a:br>
+              <a:rPr lang="en-US" sz="2000" dirty="0" smtClean="0">
+                <a:solidFill>
+                  <a:schemeClr val="accent6"/>
+                </a:solidFill>
+              </a:rPr>
+            </a:br>
+            <a:r>
+              <a:rPr lang="en-US" sz="2000" dirty="0" smtClean="0">
+                <a:solidFill>
+                  <a:schemeClr val="accent6"/>
+                </a:solidFill>
+              </a:rPr>
+              <a:t>3. </a:t>
+            </a:r>
+            <a:r>
+              <a:rPr lang="en-US" sz="2000" dirty="0" smtClean="0">
+                <a:solidFill>
+                  <a:schemeClr val="bg1"/>
+                </a:solidFill>
+              </a:rPr>
+              <a:t>vim /</a:t>
             </a:r>
             <a:r>
               <a:rPr lang="en-US" sz="2000" dirty="0" err="1" smtClean="0">
                 <a:solidFill>
-                  <a:schemeClr val="accent6"/>
+                  <a:schemeClr val="bg1"/>
                 </a:solidFill>
               </a:rPr>
               <a:t>var</a:t>
@@ -7195,40 +7327,80 @@
             <a:r>
               <a:rPr lang="en-US" sz="2000" dirty="0" smtClean="0">
                 <a:solidFill>
-                  <a:schemeClr val="accent6"/>
-                </a:solidFill>
-              </a:rPr>
-              <a:t>/log/yum.log, go to the end lines.</a:t>
-            </a:r>
-            <a:br>
-              <a:rPr lang="en-US" sz="2000" dirty="0" smtClean="0">
-                <a:solidFill>
-                  <a:schemeClr val="accent6"/>
-                </a:solidFill>
-              </a:rPr>
-            </a:br>
-            <a:r>
-              <a:rPr lang="en-US" sz="2000" dirty="0" smtClean="0">
-                <a:solidFill>
-                  <a:schemeClr val="accent6"/>
-                </a:solidFill>
-              </a:rPr>
-              <a:t>4. yum history</a:t>
-            </a:r>
-            <a:br>
-              <a:rPr lang="en-US" sz="2000" dirty="0" smtClean="0">
-                <a:solidFill>
-                  <a:schemeClr val="accent6"/>
-                </a:solidFill>
-              </a:rPr>
-            </a:br>
-            <a:r>
-              <a:rPr lang="en-US" sz="2000" dirty="0" smtClean="0">
-                <a:solidFill>
-                  <a:schemeClr val="accent6"/>
-                </a:solidFill>
-              </a:rPr>
-              <a:t>5. yum list kernel (list all installed and available kernels)</a:t>
+                  <a:schemeClr val="bg1"/>
+                </a:solidFill>
+              </a:rPr>
+              <a:t>/log/yum.log</a:t>
+            </a:r>
+            <a:r>
+              <a:rPr lang="en-US" sz="2000" dirty="0" smtClean="0">
+                <a:solidFill>
+                  <a:schemeClr val="accent6"/>
+                </a:solidFill>
+              </a:rPr>
+              <a:t>, go to the end lines.</a:t>
+            </a:r>
+            <a:br>
+              <a:rPr lang="en-US" sz="2000" dirty="0" smtClean="0">
+                <a:solidFill>
+                  <a:schemeClr val="accent6"/>
+                </a:solidFill>
+              </a:rPr>
+            </a:br>
+            <a:r>
+              <a:rPr lang="en-US" sz="2000" dirty="0" smtClean="0">
+                <a:solidFill>
+                  <a:schemeClr val="accent6"/>
+                </a:solidFill>
+              </a:rPr>
+              <a:t>4. </a:t>
+            </a:r>
+            <a:r>
+              <a:rPr lang="en-US" sz="2000" dirty="0" smtClean="0">
+                <a:solidFill>
+                  <a:schemeClr val="bg1"/>
+                </a:solidFill>
+              </a:rPr>
+              <a:t>yum history</a:t>
+            </a:r>
+            <a:r>
+              <a:rPr lang="en-US" sz="2000" dirty="0" smtClean="0">
+                <a:solidFill>
+                  <a:schemeClr val="accent6"/>
+                </a:solidFill>
+              </a:rPr>
+              <a:t/>
+            </a:r>
+            <a:br>
+              <a:rPr lang="en-US" sz="2000" dirty="0" smtClean="0">
+                <a:solidFill>
+                  <a:schemeClr val="accent6"/>
+                </a:solidFill>
+              </a:rPr>
+            </a:br>
+            <a:r>
+              <a:rPr lang="en-US" sz="2000" dirty="0" smtClean="0">
+                <a:solidFill>
+                  <a:schemeClr val="accent6"/>
+                </a:solidFill>
+              </a:rPr>
+              <a:t>5. </a:t>
+            </a:r>
+            <a:r>
+              <a:rPr lang="en-US" sz="2000" dirty="0" smtClean="0">
+                <a:solidFill>
+                  <a:schemeClr val="bg1"/>
+                </a:solidFill>
+              </a:rPr>
+              <a:t>yum list kernel </a:t>
+            </a:r>
+            <a:r>
+              <a:rPr lang="en-US" sz="2000" dirty="0" smtClean="0">
+                <a:solidFill>
+                  <a:schemeClr val="accent6"/>
+                </a:solidFill>
+              </a:rPr>
+              <a:t>(list all installed and available kernels)</a:t>
             </a:r>
             <a:br>
               <a:rPr lang="en-US" sz="2000" dirty="0" smtClean="0">
@@ -7601,12 +7773,20 @@
                   <a:schemeClr val="accent6"/>
                 </a:solidFill>
               </a:rPr>
-              <a:t>1. yum </a:t>
+              <a:t>1. </a:t>
+            </a:r>
+            <a:r>
+              <a:rPr lang="en-US" sz="1800" dirty="0" smtClean="0">
+                <a:solidFill>
+                  <a:schemeClr val="bg1"/>
+                </a:solidFill>
+              </a:rPr>
+              <a:t>yum </a:t>
             </a:r>
             <a:r>
               <a:rPr lang="en-US" sz="1800" dirty="0" err="1" smtClean="0">
                 <a:solidFill>
-                  <a:schemeClr val="accent6"/>
+                  <a:schemeClr val="bg1"/>
                 </a:solidFill>
               </a:rPr>
               <a:t>repolist</a:t>
@@ -7614,7 +7794,7 @@
             <a:r>
               <a:rPr lang="en-US" sz="1800" dirty="0" smtClean="0">
                 <a:solidFill>
-                  <a:schemeClr val="accent6"/>
+                  <a:schemeClr val="bg1"/>
                 </a:solidFill>
               </a:rPr>
               <a:t> all; grep –r enabled /</a:t>
@@ -7622,7 +7802,7 @@
             <a:r>
               <a:rPr lang="en-US" sz="1800" dirty="0" err="1" smtClean="0">
                 <a:solidFill>
-                  <a:schemeClr val="accent6"/>
+                  <a:schemeClr val="bg1"/>
                 </a:solidFill>
               </a:rPr>
               <a:t>etc</a:t>
@@ -7630,7 +7810,7 @@
             <a:r>
               <a:rPr lang="en-US" sz="1800" dirty="0" smtClean="0">
                 <a:solidFill>
-                  <a:schemeClr val="accent6"/>
+                  <a:schemeClr val="bg1"/>
                 </a:solidFill>
               </a:rPr>
               <a:t>/</a:t>
@@ -7638,7 +7818,7 @@
             <a:r>
               <a:rPr lang="en-US" sz="1800" dirty="0" err="1" smtClean="0">
                 <a:solidFill>
-                  <a:schemeClr val="accent6"/>
+                  <a:schemeClr val="bg1"/>
                 </a:solidFill>
               </a:rPr>
               <a:t>yum.repos.d</a:t>
@@ -7664,12 +7844,20 @@
                   <a:schemeClr val="accent6"/>
                 </a:solidFill>
               </a:rPr>
-              <a:t>2. Enable and disable repositories with ‘yum-</a:t>
+              <a:t>2. Enable and disable repositories with ‘</a:t>
+            </a:r>
+            <a:r>
+              <a:rPr lang="en-US" sz="1800" dirty="0" smtClean="0">
+                <a:solidFill>
+                  <a:schemeClr val="bg1"/>
+                </a:solidFill>
+              </a:rPr>
+              <a:t>yum-</a:t>
             </a:r>
             <a:r>
               <a:rPr lang="en-US" sz="1800" dirty="0" err="1" smtClean="0">
                 <a:solidFill>
-                  <a:schemeClr val="accent6"/>
+                  <a:schemeClr val="bg1"/>
                 </a:solidFill>
               </a:rPr>
               <a:t>config</a:t>
@@ -7677,30 +7865,38 @@
             <a:r>
               <a:rPr lang="en-US" sz="1800" dirty="0" smtClean="0">
                 <a:solidFill>
-                  <a:schemeClr val="accent6"/>
-                </a:solidFill>
-              </a:rPr>
-              <a:t>-manager’.</a:t>
-            </a:r>
-            <a:br>
+                  <a:schemeClr val="bg1"/>
+                </a:solidFill>
+              </a:rPr>
+              <a:t>-manager</a:t>
+            </a:r>
+            <a:r>
               <a:rPr lang="en-US" sz="1800" dirty="0" smtClean="0">
                 <a:solidFill>
                   <a:schemeClr val="accent6"/>
                 </a:solidFill>
               </a:rPr>
-            </a:br>
-            <a:r>
+              <a:t>’.</a:t>
+            </a:r>
+            <a:br>
               <a:rPr lang="en-US" sz="1800" dirty="0" smtClean="0">
                 <a:solidFill>
                   <a:schemeClr val="accent6"/>
                 </a:solidFill>
               </a:rPr>
+            </a:br>
+            <a:r>
+              <a:rPr lang="en-US" sz="1800" dirty="0" smtClean="0">
+                <a:solidFill>
+                  <a:schemeClr val="accent6"/>
+                </a:solidFill>
+              </a:rPr>
               <a:t>3. </a:t>
             </a:r>
             <a:r>
               <a:rPr lang="en-US" sz="1800" dirty="0">
                 <a:solidFill>
-                  <a:schemeClr val="accent6"/>
+                  <a:schemeClr val="bg1"/>
                 </a:solidFill>
               </a:rPr>
               <a:t>yum-</a:t>
@@ -7708,7 +7904,7 @@
             <a:r>
               <a:rPr lang="en-US" sz="1800" dirty="0" err="1">
                 <a:solidFill>
-                  <a:schemeClr val="accent6"/>
+                  <a:schemeClr val="bg1"/>
                 </a:solidFill>
               </a:rPr>
               <a:t>config</a:t>
@@ -7716,7 +7912,7 @@
             <a:r>
               <a:rPr lang="en-US" sz="1800" dirty="0">
                 <a:solidFill>
-                  <a:schemeClr val="accent6"/>
+                  <a:schemeClr val="bg1"/>
                 </a:solidFill>
               </a:rPr>
               <a:t>-manager --add-repo="https://dl.fedoraproject.org/pub/</a:t>
@@ -7724,7 +7920,7 @@
             <a:r>
               <a:rPr lang="en-US" sz="1800" dirty="0" err="1">
                 <a:solidFill>
-                  <a:schemeClr val="accent6"/>
+                  <a:schemeClr val="bg1"/>
                 </a:solidFill>
               </a:rPr>
               <a:t>epel</a:t>
@@ -7732,7 +7928,7 @@
             <a:r>
               <a:rPr lang="en-US" sz="1800" dirty="0">
                 <a:solidFill>
-                  <a:schemeClr val="accent6"/>
+                  <a:schemeClr val="bg1"/>
                 </a:solidFill>
               </a:rPr>
               <a:t>/7/x86_64</a:t>
@@ -7758,12 +7954,20 @@
                   <a:schemeClr val="accent6"/>
                 </a:solidFill>
               </a:rPr>
-              <a:t>4.  yum </a:t>
+              <a:t>4.  </a:t>
+            </a:r>
+            <a:r>
+              <a:rPr lang="en-US" sz="1800" dirty="0" smtClean="0">
+                <a:solidFill>
+                  <a:schemeClr val="bg1"/>
+                </a:solidFill>
+              </a:rPr>
+              <a:t>yum </a:t>
             </a:r>
             <a:r>
               <a:rPr lang="en-US" sz="1800" dirty="0" err="1" smtClean="0">
                 <a:solidFill>
-                  <a:schemeClr val="accent6"/>
+                  <a:schemeClr val="bg1"/>
                 </a:solidFill>
               </a:rPr>
               <a:t>repolist</a:t>

--- a/9.Softwaremagement_And_Cron/09-SoftwareManagementAndCron.pptx
+++ b/9.Softwaremagement_And_Cron/09-SoftwareManagementAndCron.pptx
@@ -226,7 +226,7 @@
           <a:p>
             <a:fld id="{75861919-8521-4274-BB91-998CD62CEE44}" type="datetimeFigureOut">
               <a:rPr lang="en-US" smtClean="0"/>
-              <a:t>3/21/17</a:t>
+              <a:t>3/24/17</a:t>
             </a:fld>
             <a:endParaRPr lang="en-US"/>
           </a:p>
@@ -759,7 +759,7 @@
           <a:p>
             <a:fld id="{3EA744D9-3FBE-48D8-BF2A-85DF203E4D20}" type="datetimeFigureOut">
               <a:rPr lang="bg-BG" smtClean="0"/>
-              <a:t>21.03.17 г.</a:t>
+              <a:t>24.03.17 г.</a:t>
             </a:fld>
             <a:endParaRPr lang="bg-BG"/>
           </a:p>
@@ -929,7 +929,7 @@
           <a:p>
             <a:fld id="{3EA744D9-3FBE-48D8-BF2A-85DF203E4D20}" type="datetimeFigureOut">
               <a:rPr lang="bg-BG" smtClean="0"/>
-              <a:t>21.03.17 г.</a:t>
+              <a:t>24.03.17 г.</a:t>
             </a:fld>
             <a:endParaRPr lang="bg-BG"/>
           </a:p>
@@ -1109,7 +1109,7 @@
           <a:p>
             <a:fld id="{3EA744D9-3FBE-48D8-BF2A-85DF203E4D20}" type="datetimeFigureOut">
               <a:rPr lang="bg-BG" smtClean="0"/>
-              <a:t>21.03.17 г.</a:t>
+              <a:t>24.03.17 г.</a:t>
             </a:fld>
             <a:endParaRPr lang="bg-BG"/>
           </a:p>
@@ -1279,7 +1279,7 @@
           <a:p>
             <a:fld id="{3EA744D9-3FBE-48D8-BF2A-85DF203E4D20}" type="datetimeFigureOut">
               <a:rPr lang="bg-BG" smtClean="0"/>
-              <a:t>21.03.17 г.</a:t>
+              <a:t>24.03.17 г.</a:t>
             </a:fld>
             <a:endParaRPr lang="bg-BG"/>
           </a:p>
@@ -1525,7 +1525,7 @@
           <a:p>
             <a:fld id="{3EA744D9-3FBE-48D8-BF2A-85DF203E4D20}" type="datetimeFigureOut">
               <a:rPr lang="bg-BG" smtClean="0"/>
-              <a:t>21.03.17 г.</a:t>
+              <a:t>24.03.17 г.</a:t>
             </a:fld>
             <a:endParaRPr lang="bg-BG"/>
           </a:p>
@@ -1813,7 +1813,7 @@
           <a:p>
             <a:fld id="{3EA744D9-3FBE-48D8-BF2A-85DF203E4D20}" type="datetimeFigureOut">
               <a:rPr lang="bg-BG" smtClean="0"/>
-              <a:t>21.03.17 г.</a:t>
+              <a:t>24.03.17 г.</a:t>
             </a:fld>
             <a:endParaRPr lang="bg-BG"/>
           </a:p>
@@ -2235,7 +2235,7 @@
           <a:p>
             <a:fld id="{3EA744D9-3FBE-48D8-BF2A-85DF203E4D20}" type="datetimeFigureOut">
               <a:rPr lang="bg-BG" smtClean="0"/>
-              <a:t>21.03.17 г.</a:t>
+              <a:t>24.03.17 г.</a:t>
             </a:fld>
             <a:endParaRPr lang="bg-BG"/>
           </a:p>
@@ -2353,7 +2353,7 @@
           <a:p>
             <a:fld id="{3EA744D9-3FBE-48D8-BF2A-85DF203E4D20}" type="datetimeFigureOut">
               <a:rPr lang="bg-BG" smtClean="0"/>
-              <a:t>21.03.17 г.</a:t>
+              <a:t>24.03.17 г.</a:t>
             </a:fld>
             <a:endParaRPr lang="bg-BG"/>
           </a:p>
@@ -2448,7 +2448,7 @@
           <a:p>
             <a:fld id="{3EA744D9-3FBE-48D8-BF2A-85DF203E4D20}" type="datetimeFigureOut">
               <a:rPr lang="bg-BG" smtClean="0"/>
-              <a:t>21.03.17 г.</a:t>
+              <a:t>24.03.17 г.</a:t>
             </a:fld>
             <a:endParaRPr lang="bg-BG"/>
           </a:p>
@@ -2725,7 +2725,7 @@
           <a:p>
             <a:fld id="{3EA744D9-3FBE-48D8-BF2A-85DF203E4D20}" type="datetimeFigureOut">
               <a:rPr lang="bg-BG" smtClean="0"/>
-              <a:t>21.03.17 г.</a:t>
+              <a:t>24.03.17 г.</a:t>
             </a:fld>
             <a:endParaRPr lang="bg-BG"/>
           </a:p>
@@ -2978,7 +2978,7 @@
           <a:p>
             <a:fld id="{3EA744D9-3FBE-48D8-BF2A-85DF203E4D20}" type="datetimeFigureOut">
               <a:rPr lang="bg-BG" smtClean="0"/>
-              <a:t>21.03.17 г.</a:t>
+              <a:t>24.03.17 г.</a:t>
             </a:fld>
             <a:endParaRPr lang="bg-BG"/>
           </a:p>
@@ -3200,7 +3200,7 @@
           <a:p>
             <a:fld id="{3EA744D9-3FBE-48D8-BF2A-85DF203E4D20}" type="datetimeFigureOut">
               <a:rPr lang="bg-BG" smtClean="0"/>
-              <a:t>21.03.17 г.</a:t>
+              <a:t>24.03.17 г.</a:t>
             </a:fld>
             <a:endParaRPr lang="bg-BG"/>
           </a:p>
@@ -3919,7 +3919,23 @@
                   <a:schemeClr val="accent6"/>
                 </a:solidFill>
               </a:rPr>
-              <a:t>The default utility used to manage software packages on Red Hat Enterprise Linux distributions is ‘yum’.  Yum is designed to work with repositories, which are online depots of available software packages.</a:t>
+              <a:t>The default utility used to manage software packages on Red Hat Enterprise Linux distributions is ‘</a:t>
+            </a:r>
+            <a:r>
+              <a:rPr lang="en-US" sz="3100" dirty="0" smtClean="0">
+                <a:solidFill>
+                  <a:schemeClr val="bg1"/>
+                </a:solidFill>
+              </a:rPr>
+              <a:t>yum</a:t>
+            </a:r>
+            <a:r>
+              <a:rPr lang="en-US" sz="3100" dirty="0" smtClean="0">
+                <a:solidFill>
+                  <a:schemeClr val="accent6"/>
+                </a:solidFill>
+              </a:rPr>
+              <a:t>’.  Yum is designed to work with repositories, which are online depots of available software packages.</a:t>
             </a:r>
             <a:br>
               <a:rPr lang="en-US" sz="3100" dirty="0" smtClean="0">
